--- a/analysis.pptx
+++ b/analysis.pptx
@@ -3418,10 +3418,10 @@
       </p:grpSpPr>
       <p:pic>
         <p:nvPicPr>
-          <p:cNvPr id="3" name="slide3" descr="popularity">
-            <a:extLst>
-              <a:ext uri="{FF2B5EF4-FFF2-40B4-BE49-F238E27FC236}">
-                <a16:creationId xmlns:a16="http://schemas.microsoft.com/office/drawing/2014/main" id="{BD7E8791-91C4-4B54-B54D-11F9C8EF50DD}"/>
+          <p:cNvPr id="4" name="slide2" descr="popularity">
+            <a:extLst>
+              <a:ext uri="{FF2B5EF4-FFF2-40B4-BE49-F238E27FC236}">
+                <a16:creationId xmlns:a16="http://schemas.microsoft.com/office/drawing/2014/main" id="{E1CC560A-60F7-75AE-AA92-9AB4E3B12EC2}"/>
               </a:ext>
             </a:extLst>
           </p:cNvPr>
@@ -3444,14 +3444,228 @@
         </p:blipFill>
         <p:spPr>
           <a:xfrm>
-            <a:off x="1809750" y="0"/>
-            <a:ext cx="8572500" cy="6858000"/>
+            <a:off x="485449" y="539828"/>
+            <a:ext cx="8051278" cy="6318172"/>
           </a:xfrm>
           <a:prstGeom prst="rect">
             <a:avLst/>
           </a:prstGeom>
         </p:spPr>
       </p:pic>
+      <p:sp>
+        <p:nvSpPr>
+          <p:cNvPr id="2" name="TextBox 1">
+            <a:extLst>
+              <a:ext uri="{FF2B5EF4-FFF2-40B4-BE49-F238E27FC236}">
+                <a16:creationId xmlns:a16="http://schemas.microsoft.com/office/drawing/2014/main" id="{3BBE4549-5888-98A8-3707-C1970950B26A}"/>
+              </a:ext>
+            </a:extLst>
+          </p:cNvPr>
+          <p:cNvSpPr txBox="1"/>
+          <p:nvPr/>
+        </p:nvSpPr>
+        <p:spPr>
+          <a:xfrm>
+            <a:off x="6994114" y="5657510"/>
+            <a:ext cx="4320714" cy="1061829"/>
+          </a:xfrm>
+          <a:prstGeom prst="rect">
+            <a:avLst/>
+          </a:prstGeom>
+          <a:noFill/>
+          <a:ln>
+            <a:solidFill>
+              <a:schemeClr val="accent1"/>
+            </a:solidFill>
+            <a:prstDash val="dash"/>
+          </a:ln>
+        </p:spPr>
+        <p:txBody>
+          <a:bodyPr wrap="square" rtlCol="0">
+            <a:spAutoFit/>
+          </a:bodyPr>
+          <a:lstStyle/>
+          <a:p>
+            <a:r>
+              <a:rPr lang="en-US" sz="1050" dirty="0"/>
+              <a:t>*For the graph above, videos are filtered to have over 10,000,000 views and are sorted based on # of views. For publicity benefits, we are more interested in the general content of the viral videos rather than its exact title, so channel titles are used for each video. </a:t>
+            </a:r>
+          </a:p>
+          <a:p>
+            <a:r>
+              <a:rPr lang="en-US" sz="1050" dirty="0"/>
+              <a:t>*For the chart below, videos are filtered to have over 1,000,000 views and are sorted based on # of views.</a:t>
+            </a:r>
+          </a:p>
+        </p:txBody>
+      </p:sp>
+      <p:sp>
+        <p:nvSpPr>
+          <p:cNvPr id="5" name="TextBox 4">
+            <a:extLst>
+              <a:ext uri="{FF2B5EF4-FFF2-40B4-BE49-F238E27FC236}">
+                <a16:creationId xmlns:a16="http://schemas.microsoft.com/office/drawing/2014/main" id="{E82D880C-616F-D5E5-143F-68B7C42DEB5A}"/>
+              </a:ext>
+            </a:extLst>
+          </p:cNvPr>
+          <p:cNvSpPr txBox="1"/>
+          <p:nvPr/>
+        </p:nvSpPr>
+        <p:spPr>
+          <a:xfrm>
+            <a:off x="541290" y="16608"/>
+            <a:ext cx="2969727" cy="523220"/>
+          </a:xfrm>
+          <a:prstGeom prst="rect">
+            <a:avLst/>
+          </a:prstGeom>
+          <a:noFill/>
+        </p:spPr>
+        <p:txBody>
+          <a:bodyPr wrap="square" rtlCol="0">
+            <a:spAutoFit/>
+          </a:bodyPr>
+          <a:lstStyle/>
+          <a:p>
+            <a:r>
+              <a:rPr lang="en-US" sz="2800" dirty="0">
+                <a:solidFill>
+                  <a:schemeClr val="tx1">
+                    <a:lumMod val="50000"/>
+                    <a:lumOff val="50000"/>
+                  </a:schemeClr>
+                </a:solidFill>
+              </a:rPr>
+              <a:t>Popularity &amp; Genre</a:t>
+            </a:r>
+          </a:p>
+        </p:txBody>
+      </p:sp>
+      <p:sp>
+        <p:nvSpPr>
+          <p:cNvPr id="8" name="TextBox 7">
+            <a:extLst>
+              <a:ext uri="{FF2B5EF4-FFF2-40B4-BE49-F238E27FC236}">
+                <a16:creationId xmlns:a16="http://schemas.microsoft.com/office/drawing/2014/main" id="{9487FAAB-3B00-63D2-C6FB-715413494DF9}"/>
+              </a:ext>
+            </a:extLst>
+          </p:cNvPr>
+          <p:cNvSpPr txBox="1"/>
+          <p:nvPr/>
+        </p:nvSpPr>
+        <p:spPr>
+          <a:xfrm>
+            <a:off x="6994114" y="1151629"/>
+            <a:ext cx="4320714" cy="3416320"/>
+          </a:xfrm>
+          <a:prstGeom prst="rect">
+            <a:avLst/>
+          </a:prstGeom>
+          <a:noFill/>
+          <a:ln w="25400">
+            <a:solidFill>
+              <a:srgbClr val="7030A0"/>
+            </a:solidFill>
+            <a:prstDash val="dashDot"/>
+          </a:ln>
+        </p:spPr>
+        <p:txBody>
+          <a:bodyPr wrap="square" rtlCol="0">
+            <a:spAutoFit/>
+          </a:bodyPr>
+          <a:lstStyle/>
+          <a:p>
+            <a:pPr marL="285750" indent="-285750">
+              <a:buFont typeface="Arial" panose="020B0604020202020204" pitchFamily="34" charset="0"/>
+              <a:buChar char="•"/>
+            </a:pPr>
+            <a:r>
+              <a:rPr lang="en-US" dirty="0"/>
+              <a:t>In general, </a:t>
+            </a:r>
+            <a:r>
+              <a:rPr lang="en-US" b="1" dirty="0"/>
+              <a:t>Entertainment</a:t>
+            </a:r>
+            <a:r>
+              <a:rPr lang="en-US" dirty="0"/>
+              <a:t> and </a:t>
+            </a:r>
+            <a:r>
+              <a:rPr lang="en-US" b="1" dirty="0"/>
+              <a:t>Music</a:t>
+            </a:r>
+            <a:r>
+              <a:rPr lang="en-US" dirty="0"/>
+              <a:t> videos are the most popular genres on YouTube with high audience engagement. They incorporate the vast majority of most viewed and most liked videos. </a:t>
+            </a:r>
+          </a:p>
+          <a:p>
+            <a:pPr marL="285750" indent="-285750">
+              <a:buFont typeface="Arial" panose="020B0604020202020204" pitchFamily="34" charset="0"/>
+              <a:buChar char="•"/>
+            </a:pPr>
+            <a:r>
+              <a:rPr lang="en-US" b="1" dirty="0"/>
+              <a:t>Comedy</a:t>
+            </a:r>
+            <a:r>
+              <a:rPr lang="en-US" dirty="0"/>
+              <a:t>, </a:t>
+            </a:r>
+            <a:r>
+              <a:rPr lang="en-US" b="1" dirty="0"/>
+              <a:t>Film &amp; Animation</a:t>
+            </a:r>
+            <a:r>
+              <a:rPr lang="en-US" dirty="0"/>
+              <a:t>, </a:t>
+            </a:r>
+            <a:r>
+              <a:rPr lang="en-US" b="1" dirty="0"/>
+              <a:t>People &amp; Blogs </a:t>
+            </a:r>
+            <a:r>
+              <a:rPr lang="en-US" dirty="0"/>
+              <a:t>are also popular genres among videos with 1M views.</a:t>
+            </a:r>
+          </a:p>
+          <a:p>
+            <a:pPr marL="285750" indent="-285750">
+              <a:buFont typeface="Arial" panose="020B0604020202020204" pitchFamily="34" charset="0"/>
+              <a:buChar char="•"/>
+            </a:pPr>
+            <a:r>
+              <a:rPr lang="en-US" dirty="0"/>
+              <a:t>Exceptional </a:t>
+            </a:r>
+            <a:r>
+              <a:rPr lang="en-US" b="1" dirty="0"/>
+              <a:t>Sports</a:t>
+            </a:r>
+            <a:r>
+              <a:rPr lang="en-US" dirty="0"/>
+              <a:t>, </a:t>
+            </a:r>
+            <a:r>
+              <a:rPr lang="en-US" b="1" dirty="0"/>
+              <a:t>People &amp; Blogs</a:t>
+            </a:r>
+            <a:r>
+              <a:rPr lang="en-US" dirty="0"/>
+              <a:t>, and </a:t>
+            </a:r>
+            <a:r>
+              <a:rPr lang="en-US" b="1" dirty="0"/>
+              <a:t>Science &amp; Technology </a:t>
+            </a:r>
+            <a:r>
+              <a:rPr lang="en-US" dirty="0"/>
+              <a:t>videos are likely to be viewed by a lot of people as well.</a:t>
+            </a:r>
+          </a:p>
+        </p:txBody>
+      </p:sp>
     </p:spTree>
     <p:extLst>
       <p:ext uri="{BB962C8B-B14F-4D97-AF65-F5344CB8AC3E}">
@@ -3482,42 +3696,770 @@
           <a:chExt cx="0" cy="0"/>
         </a:xfrm>
       </p:grpSpPr>
-      <p:pic>
-        <p:nvPicPr>
-          <p:cNvPr id="2" name="slide2" descr="optimized timing">
-            <a:extLst>
-              <a:ext uri="{FF2B5EF4-FFF2-40B4-BE49-F238E27FC236}">
-                <a16:creationId xmlns:a16="http://schemas.microsoft.com/office/drawing/2014/main" id="{E548F8A0-093D-4B22-BE22-7AE97AEF309C}"/>
-              </a:ext>
-            </a:extLst>
-          </p:cNvPr>
-          <p:cNvPicPr>
-            <a:picLocks noChangeAspect="1"/>
-          </p:cNvPicPr>
+      <p:grpSp>
+        <p:nvGrpSpPr>
+          <p:cNvPr id="51" name="Group 50">
+            <a:extLst>
+              <a:ext uri="{FF2B5EF4-FFF2-40B4-BE49-F238E27FC236}">
+                <a16:creationId xmlns:a16="http://schemas.microsoft.com/office/drawing/2014/main" id="{179B9100-B4F0-D6A5-4608-E7D1CA958FCD}"/>
+              </a:ext>
+            </a:extLst>
+          </p:cNvPr>
+          <p:cNvGrpSpPr/>
           <p:nvPr/>
-        </p:nvPicPr>
-        <p:blipFill>
-          <a:blip r:embed="rId2">
-            <a:extLst>
-              <a:ext uri="{28A0092B-C50C-407E-A947-70E740481C1C}">
-                <a14:useLocalDpi xmlns:a14="http://schemas.microsoft.com/office/drawing/2010/main" val="0"/>
-              </a:ext>
-            </a:extLst>
-          </a:blip>
-          <a:stretch>
-            <a:fillRect/>
-          </a:stretch>
-        </p:blipFill>
+        </p:nvGrpSpPr>
+        <p:grpSpPr>
+          <a:xfrm>
+            <a:off x="393179" y="0"/>
+            <a:ext cx="8743326" cy="6955436"/>
+            <a:chOff x="1809750" y="0"/>
+            <a:chExt cx="8636108" cy="6858000"/>
+          </a:xfrm>
+        </p:grpSpPr>
+        <p:pic>
+          <p:nvPicPr>
+            <p:cNvPr id="2" name="slide2" descr="optimized timing">
+              <a:extLst>
+                <a:ext uri="{FF2B5EF4-FFF2-40B4-BE49-F238E27FC236}">
+                  <a16:creationId xmlns:a16="http://schemas.microsoft.com/office/drawing/2014/main" id="{E548F8A0-093D-4B22-BE22-7AE97AEF309C}"/>
+                </a:ext>
+              </a:extLst>
+            </p:cNvPr>
+            <p:cNvPicPr>
+              <a:picLocks noChangeAspect="1"/>
+            </p:cNvPicPr>
+            <p:nvPr/>
+          </p:nvPicPr>
+          <p:blipFill>
+            <a:blip r:embed="rId2">
+              <a:extLst>
+                <a:ext uri="{28A0092B-C50C-407E-A947-70E740481C1C}">
+                  <a14:useLocalDpi xmlns:a14="http://schemas.microsoft.com/office/drawing/2010/main" val="0"/>
+                </a:ext>
+              </a:extLst>
+            </a:blip>
+            <a:stretch>
+              <a:fillRect/>
+            </a:stretch>
+          </p:blipFill>
+          <p:spPr>
+            <a:xfrm>
+              <a:off x="1809750" y="0"/>
+              <a:ext cx="8572500" cy="6858000"/>
+            </a:xfrm>
+            <a:prstGeom prst="rect">
+              <a:avLst/>
+            </a:prstGeom>
+          </p:spPr>
+        </p:pic>
+        <p:sp>
+          <p:nvSpPr>
+            <p:cNvPr id="3" name="Rectangle 2">
+              <a:extLst>
+                <a:ext uri="{FF2B5EF4-FFF2-40B4-BE49-F238E27FC236}">
+                  <a16:creationId xmlns:a16="http://schemas.microsoft.com/office/drawing/2014/main" id="{95407D74-3534-405D-BC08-9D6183F2F9E0}"/>
+                </a:ext>
+              </a:extLst>
+            </p:cNvPr>
+            <p:cNvSpPr/>
+            <p:nvPr/>
+          </p:nvSpPr>
+          <p:spPr>
+            <a:xfrm>
+              <a:off x="3220278" y="1063487"/>
+              <a:ext cx="834887" cy="2007704"/>
+            </a:xfrm>
+            <a:prstGeom prst="rect">
+              <a:avLst/>
+            </a:prstGeom>
+            <a:solidFill>
+              <a:srgbClr val="7030A0">
+                <a:alpha val="22258"/>
+              </a:srgbClr>
+            </a:solidFill>
+            <a:ln>
+              <a:noFill/>
+            </a:ln>
+          </p:spPr>
+          <p:style>
+            <a:lnRef idx="2">
+              <a:schemeClr val="accent1">
+                <a:shade val="50000"/>
+              </a:schemeClr>
+            </a:lnRef>
+            <a:fillRef idx="1">
+              <a:schemeClr val="accent1"/>
+            </a:fillRef>
+            <a:effectRef idx="0">
+              <a:schemeClr val="accent1"/>
+            </a:effectRef>
+            <a:fontRef idx="minor">
+              <a:schemeClr val="lt1"/>
+            </a:fontRef>
+          </p:style>
+          <p:txBody>
+            <a:bodyPr rtlCol="0" anchor="ctr"/>
+            <a:lstStyle/>
+            <a:p>
+              <a:pPr algn="ctr"/>
+              <a:endParaRPr lang="en-US" dirty="0"/>
+            </a:p>
+          </p:txBody>
+        </p:sp>
+        <p:sp>
+          <p:nvSpPr>
+            <p:cNvPr id="5" name="TextBox 4">
+              <a:extLst>
+                <a:ext uri="{FF2B5EF4-FFF2-40B4-BE49-F238E27FC236}">
+                  <a16:creationId xmlns:a16="http://schemas.microsoft.com/office/drawing/2014/main" id="{9D6379B3-1165-7048-DA3E-8C5C3E02C751}"/>
+                </a:ext>
+              </a:extLst>
+            </p:cNvPr>
+            <p:cNvSpPr txBox="1"/>
+            <p:nvPr/>
+          </p:nvSpPr>
+          <p:spPr>
+            <a:xfrm>
+              <a:off x="2008938" y="6295194"/>
+              <a:ext cx="5377824" cy="415498"/>
+            </a:xfrm>
+            <a:prstGeom prst="rect">
+              <a:avLst/>
+            </a:prstGeom>
+            <a:noFill/>
+            <a:ln>
+              <a:solidFill>
+                <a:schemeClr val="accent1"/>
+              </a:solidFill>
+              <a:prstDash val="dash"/>
+            </a:ln>
+          </p:spPr>
+          <p:txBody>
+            <a:bodyPr wrap="square" rtlCol="0">
+              <a:spAutoFit/>
+            </a:bodyPr>
+            <a:lstStyle/>
+            <a:p>
+              <a:r>
+                <a:rPr lang="en-US" sz="1050" dirty="0"/>
+                <a:t>*All percentages are calculated based on the total number of “popular videos” on YouTube.</a:t>
+              </a:r>
+            </a:p>
+            <a:p>
+              <a:r>
+                <a:rPr lang="en-US" sz="1050" dirty="0"/>
+                <a:t>Popular videos are defined by either over 1,000,000 views or 500,000 likes</a:t>
+              </a:r>
+            </a:p>
+          </p:txBody>
+        </p:sp>
+        <p:sp>
+          <p:nvSpPr>
+            <p:cNvPr id="6" name="TextBox 5">
+              <a:extLst>
+                <a:ext uri="{FF2B5EF4-FFF2-40B4-BE49-F238E27FC236}">
+                  <a16:creationId xmlns:a16="http://schemas.microsoft.com/office/drawing/2014/main" id="{14D2E96B-6A9A-6CFF-02BA-B26671B09084}"/>
+                </a:ext>
+              </a:extLst>
+            </p:cNvPr>
+            <p:cNvSpPr txBox="1"/>
+            <p:nvPr/>
+          </p:nvSpPr>
+          <p:spPr>
+            <a:xfrm>
+              <a:off x="9298129" y="4307673"/>
+              <a:ext cx="1147729" cy="246221"/>
+            </a:xfrm>
+            <a:prstGeom prst="rect">
+              <a:avLst/>
+            </a:prstGeom>
+            <a:noFill/>
+          </p:spPr>
+          <p:txBody>
+            <a:bodyPr wrap="square" rtlCol="0">
+              <a:spAutoFit/>
+            </a:bodyPr>
+            <a:lstStyle/>
+            <a:p>
+              <a:r>
+                <a:rPr lang="en-US" sz="1000" dirty="0"/>
+                <a:t>Weekdays</a:t>
+              </a:r>
+            </a:p>
+          </p:txBody>
+        </p:sp>
+        <p:sp>
+          <p:nvSpPr>
+            <p:cNvPr id="7" name="TextBox 6">
+              <a:extLst>
+                <a:ext uri="{FF2B5EF4-FFF2-40B4-BE49-F238E27FC236}">
+                  <a16:creationId xmlns:a16="http://schemas.microsoft.com/office/drawing/2014/main" id="{094E1203-741C-DCE6-0F41-3A313BB53555}"/>
+                </a:ext>
+              </a:extLst>
+            </p:cNvPr>
+            <p:cNvSpPr txBox="1"/>
+            <p:nvPr/>
+          </p:nvSpPr>
+          <p:spPr>
+            <a:xfrm>
+              <a:off x="9298129" y="4901590"/>
+              <a:ext cx="1147729" cy="246221"/>
+            </a:xfrm>
+            <a:prstGeom prst="rect">
+              <a:avLst/>
+            </a:prstGeom>
+            <a:noFill/>
+          </p:spPr>
+          <p:txBody>
+            <a:bodyPr wrap="square" rtlCol="0">
+              <a:spAutoFit/>
+            </a:bodyPr>
+            <a:lstStyle/>
+            <a:p>
+              <a:r>
+                <a:rPr lang="en-US" sz="1000" dirty="0"/>
+                <a:t>Overall</a:t>
+              </a:r>
+            </a:p>
+          </p:txBody>
+        </p:sp>
+        <p:sp>
+          <p:nvSpPr>
+            <p:cNvPr id="9" name="TextBox 8">
+              <a:extLst>
+                <a:ext uri="{FF2B5EF4-FFF2-40B4-BE49-F238E27FC236}">
+                  <a16:creationId xmlns:a16="http://schemas.microsoft.com/office/drawing/2014/main" id="{460C97AB-B293-15E9-60F8-F2C9165363DB}"/>
+                </a:ext>
+              </a:extLst>
+            </p:cNvPr>
+            <p:cNvSpPr txBox="1"/>
+            <p:nvPr/>
+          </p:nvSpPr>
+          <p:spPr>
+            <a:xfrm>
+              <a:off x="9298129" y="5319172"/>
+              <a:ext cx="1147729" cy="246221"/>
+            </a:xfrm>
+            <a:prstGeom prst="rect">
+              <a:avLst/>
+            </a:prstGeom>
+            <a:noFill/>
+          </p:spPr>
+          <p:txBody>
+            <a:bodyPr wrap="square" rtlCol="0">
+              <a:spAutoFit/>
+            </a:bodyPr>
+            <a:lstStyle/>
+            <a:p>
+              <a:r>
+                <a:rPr lang="en-US" sz="1000" dirty="0"/>
+                <a:t>Weekend</a:t>
+              </a:r>
+            </a:p>
+          </p:txBody>
+        </p:sp>
+        <p:cxnSp>
+          <p:nvCxnSpPr>
+            <p:cNvPr id="11" name="Straight Connector 10">
+              <a:extLst>
+                <a:ext uri="{FF2B5EF4-FFF2-40B4-BE49-F238E27FC236}">
+                  <a16:creationId xmlns:a16="http://schemas.microsoft.com/office/drawing/2014/main" id="{CFF24CD5-AE36-B85C-B8DE-6AAF7364406F}"/>
+                </a:ext>
+              </a:extLst>
+            </p:cNvPr>
+            <p:cNvCxnSpPr>
+              <a:cxnSpLocks/>
+            </p:cNvCxnSpPr>
+            <p:nvPr/>
+          </p:nvCxnSpPr>
+          <p:spPr>
+            <a:xfrm flipV="1">
+              <a:off x="8841850" y="4430783"/>
+              <a:ext cx="456279" cy="80332"/>
+            </a:xfrm>
+            <a:prstGeom prst="line">
+              <a:avLst/>
+            </a:prstGeom>
+            <a:ln>
+              <a:solidFill>
+                <a:schemeClr val="tx1">
+                  <a:lumMod val="50000"/>
+                  <a:lumOff val="50000"/>
+                </a:schemeClr>
+              </a:solidFill>
+            </a:ln>
+          </p:spPr>
+          <p:style>
+            <a:lnRef idx="1">
+              <a:schemeClr val="accent6"/>
+            </a:lnRef>
+            <a:fillRef idx="0">
+              <a:schemeClr val="accent6"/>
+            </a:fillRef>
+            <a:effectRef idx="0">
+              <a:schemeClr val="accent6"/>
+            </a:effectRef>
+            <a:fontRef idx="minor">
+              <a:schemeClr val="tx1"/>
+            </a:fontRef>
+          </p:style>
+        </p:cxnSp>
+        <p:cxnSp>
+          <p:nvCxnSpPr>
+            <p:cNvPr id="19" name="Straight Connector 18">
+              <a:extLst>
+                <a:ext uri="{FF2B5EF4-FFF2-40B4-BE49-F238E27FC236}">
+                  <a16:creationId xmlns:a16="http://schemas.microsoft.com/office/drawing/2014/main" id="{8ADF7AD7-02D3-BA60-06E5-42EA21A468FB}"/>
+                </a:ext>
+              </a:extLst>
+            </p:cNvPr>
+            <p:cNvCxnSpPr>
+              <a:cxnSpLocks/>
+              <a:endCxn id="7" idx="1"/>
+            </p:cNvCxnSpPr>
+            <p:nvPr/>
+          </p:nvCxnSpPr>
+          <p:spPr>
+            <a:xfrm>
+              <a:off x="9129624" y="5024700"/>
+              <a:ext cx="168505" cy="1"/>
+            </a:xfrm>
+            <a:prstGeom prst="line">
+              <a:avLst/>
+            </a:prstGeom>
+            <a:ln>
+              <a:solidFill>
+                <a:schemeClr val="tx1">
+                  <a:lumMod val="50000"/>
+                  <a:lumOff val="50000"/>
+                </a:schemeClr>
+              </a:solidFill>
+            </a:ln>
+          </p:spPr>
+          <p:style>
+            <a:lnRef idx="1">
+              <a:schemeClr val="accent6"/>
+            </a:lnRef>
+            <a:fillRef idx="0">
+              <a:schemeClr val="accent6"/>
+            </a:fillRef>
+            <a:effectRef idx="0">
+              <a:schemeClr val="accent6"/>
+            </a:effectRef>
+            <a:fontRef idx="minor">
+              <a:schemeClr val="tx1"/>
+            </a:fontRef>
+          </p:style>
+        </p:cxnSp>
+        <p:cxnSp>
+          <p:nvCxnSpPr>
+            <p:cNvPr id="23" name="Straight Connector 22">
+              <a:extLst>
+                <a:ext uri="{FF2B5EF4-FFF2-40B4-BE49-F238E27FC236}">
+                  <a16:creationId xmlns:a16="http://schemas.microsoft.com/office/drawing/2014/main" id="{051EA6BC-DA97-FF82-744C-457BDEEB1E5A}"/>
+                </a:ext>
+              </a:extLst>
+            </p:cNvPr>
+            <p:cNvCxnSpPr>
+              <a:cxnSpLocks/>
+              <a:endCxn id="9" idx="1"/>
+            </p:cNvCxnSpPr>
+            <p:nvPr/>
+          </p:nvCxnSpPr>
+          <p:spPr>
+            <a:xfrm flipV="1">
+              <a:off x="9129624" y="5442283"/>
+              <a:ext cx="168505" cy="96003"/>
+            </a:xfrm>
+            <a:prstGeom prst="line">
+              <a:avLst/>
+            </a:prstGeom>
+            <a:ln>
+              <a:solidFill>
+                <a:schemeClr val="tx1">
+                  <a:lumMod val="50000"/>
+                  <a:lumOff val="50000"/>
+                </a:schemeClr>
+              </a:solidFill>
+            </a:ln>
+          </p:spPr>
+          <p:style>
+            <a:lnRef idx="1">
+              <a:schemeClr val="accent6"/>
+            </a:lnRef>
+            <a:fillRef idx="0">
+              <a:schemeClr val="accent6"/>
+            </a:fillRef>
+            <a:effectRef idx="0">
+              <a:schemeClr val="accent6"/>
+            </a:effectRef>
+            <a:fontRef idx="minor">
+              <a:schemeClr val="tx1"/>
+            </a:fontRef>
+          </p:style>
+        </p:cxnSp>
+        <p:sp>
+          <p:nvSpPr>
+            <p:cNvPr id="27" name="Rectangle 26">
+              <a:extLst>
+                <a:ext uri="{FF2B5EF4-FFF2-40B4-BE49-F238E27FC236}">
+                  <a16:creationId xmlns:a16="http://schemas.microsoft.com/office/drawing/2014/main" id="{14715401-CE52-8753-6FBD-ADD7F3AE7FC6}"/>
+                </a:ext>
+              </a:extLst>
+            </p:cNvPr>
+            <p:cNvSpPr/>
+            <p:nvPr/>
+          </p:nvSpPr>
+          <p:spPr>
+            <a:xfrm>
+              <a:off x="6633148" y="3679341"/>
+              <a:ext cx="1147730" cy="2034008"/>
+            </a:xfrm>
+            <a:prstGeom prst="rect">
+              <a:avLst/>
+            </a:prstGeom>
+            <a:solidFill>
+              <a:srgbClr val="7030A0">
+                <a:alpha val="24000"/>
+              </a:srgbClr>
+            </a:solidFill>
+            <a:ln>
+              <a:noFill/>
+            </a:ln>
+          </p:spPr>
+          <p:style>
+            <a:lnRef idx="2">
+              <a:schemeClr val="accent1">
+                <a:shade val="50000"/>
+              </a:schemeClr>
+            </a:lnRef>
+            <a:fillRef idx="1">
+              <a:schemeClr val="accent1"/>
+            </a:fillRef>
+            <a:effectRef idx="0">
+              <a:schemeClr val="accent1"/>
+            </a:effectRef>
+            <a:fontRef idx="minor">
+              <a:schemeClr val="lt1"/>
+            </a:fontRef>
+          </p:style>
+          <p:txBody>
+            <a:bodyPr rtlCol="0" anchor="ctr"/>
+            <a:lstStyle/>
+            <a:p>
+              <a:pPr algn="ctr"/>
+              <a:endParaRPr lang="en-US" dirty="0"/>
+            </a:p>
+          </p:txBody>
+        </p:sp>
+        <p:sp>
+          <p:nvSpPr>
+            <p:cNvPr id="28" name="Rectangle 27">
+              <a:extLst>
+                <a:ext uri="{FF2B5EF4-FFF2-40B4-BE49-F238E27FC236}">
+                  <a16:creationId xmlns:a16="http://schemas.microsoft.com/office/drawing/2014/main" id="{7CA38A12-E45A-8430-58A6-B671F68E6EBE}"/>
+                </a:ext>
+              </a:extLst>
+            </p:cNvPr>
+            <p:cNvSpPr/>
+            <p:nvPr/>
+          </p:nvSpPr>
+          <p:spPr>
+            <a:xfrm>
+              <a:off x="5718748" y="3679341"/>
+              <a:ext cx="3260360" cy="2035761"/>
+            </a:xfrm>
+            <a:prstGeom prst="rect">
+              <a:avLst/>
+            </a:prstGeom>
+            <a:solidFill>
+              <a:srgbClr val="7030A0">
+                <a:alpha val="10000"/>
+              </a:srgbClr>
+            </a:solidFill>
+            <a:ln>
+              <a:noFill/>
+            </a:ln>
+          </p:spPr>
+          <p:style>
+            <a:lnRef idx="2">
+              <a:schemeClr val="accent1">
+                <a:shade val="50000"/>
+              </a:schemeClr>
+            </a:lnRef>
+            <a:fillRef idx="1">
+              <a:schemeClr val="accent1"/>
+            </a:fillRef>
+            <a:effectRef idx="0">
+              <a:schemeClr val="accent1"/>
+            </a:effectRef>
+            <a:fontRef idx="minor">
+              <a:schemeClr val="lt1"/>
+            </a:fontRef>
+          </p:style>
+          <p:txBody>
+            <a:bodyPr rtlCol="0" anchor="ctr"/>
+            <a:lstStyle/>
+            <a:p>
+              <a:pPr algn="ctr"/>
+              <a:endParaRPr lang="en-US" dirty="0"/>
+            </a:p>
+          </p:txBody>
+        </p:sp>
+        <p:sp>
+          <p:nvSpPr>
+            <p:cNvPr id="32" name="TextBox 31">
+              <a:extLst>
+                <a:ext uri="{FF2B5EF4-FFF2-40B4-BE49-F238E27FC236}">
+                  <a16:creationId xmlns:a16="http://schemas.microsoft.com/office/drawing/2014/main" id="{5A81B42E-C401-2884-7C2D-F5874C667802}"/>
+                </a:ext>
+              </a:extLst>
+            </p:cNvPr>
+            <p:cNvSpPr txBox="1"/>
+            <p:nvPr/>
+          </p:nvSpPr>
+          <p:spPr>
+            <a:xfrm>
+              <a:off x="4597568" y="1821118"/>
+              <a:ext cx="1147729" cy="246221"/>
+            </a:xfrm>
+            <a:prstGeom prst="rect">
+              <a:avLst/>
+            </a:prstGeom>
+            <a:noFill/>
+          </p:spPr>
+          <p:txBody>
+            <a:bodyPr wrap="square" rtlCol="0">
+              <a:spAutoFit/>
+            </a:bodyPr>
+            <a:lstStyle/>
+            <a:p>
+              <a:r>
+                <a:rPr lang="en-US" sz="1000" dirty="0"/>
+                <a:t>Publish time</a:t>
+              </a:r>
+            </a:p>
+          </p:txBody>
+        </p:sp>
+        <p:cxnSp>
+          <p:nvCxnSpPr>
+            <p:cNvPr id="33" name="Straight Connector 32">
+              <a:extLst>
+                <a:ext uri="{FF2B5EF4-FFF2-40B4-BE49-F238E27FC236}">
+                  <a16:creationId xmlns:a16="http://schemas.microsoft.com/office/drawing/2014/main" id="{9109B0D6-C81C-8B14-2034-1354F7203376}"/>
+                </a:ext>
+              </a:extLst>
+            </p:cNvPr>
+            <p:cNvCxnSpPr>
+              <a:cxnSpLocks/>
+            </p:cNvCxnSpPr>
+            <p:nvPr/>
+          </p:nvCxnSpPr>
+          <p:spPr>
+            <a:xfrm flipV="1">
+              <a:off x="4393634" y="1976407"/>
+              <a:ext cx="244488" cy="245111"/>
+            </a:xfrm>
+            <a:prstGeom prst="line">
+              <a:avLst/>
+            </a:prstGeom>
+            <a:ln>
+              <a:solidFill>
+                <a:schemeClr val="tx1">
+                  <a:lumMod val="50000"/>
+                  <a:lumOff val="50000"/>
+                </a:schemeClr>
+              </a:solidFill>
+            </a:ln>
+          </p:spPr>
+          <p:style>
+            <a:lnRef idx="1">
+              <a:schemeClr val="accent6"/>
+            </a:lnRef>
+            <a:fillRef idx="0">
+              <a:schemeClr val="accent6"/>
+            </a:fillRef>
+            <a:effectRef idx="0">
+              <a:schemeClr val="accent6"/>
+            </a:effectRef>
+            <a:fontRef idx="minor">
+              <a:schemeClr val="tx1"/>
+            </a:fontRef>
+          </p:style>
+        </p:cxnSp>
+        <p:sp>
+          <p:nvSpPr>
+            <p:cNvPr id="34" name="TextBox 33">
+              <a:extLst>
+                <a:ext uri="{FF2B5EF4-FFF2-40B4-BE49-F238E27FC236}">
+                  <a16:creationId xmlns:a16="http://schemas.microsoft.com/office/drawing/2014/main" id="{90B9DCCA-C5CE-AB04-0048-949E15F4902C}"/>
+                </a:ext>
+              </a:extLst>
+            </p:cNvPr>
+            <p:cNvSpPr txBox="1"/>
+            <p:nvPr/>
+          </p:nvSpPr>
+          <p:spPr>
+            <a:xfrm>
+              <a:off x="4597568" y="2042074"/>
+              <a:ext cx="1147729" cy="246221"/>
+            </a:xfrm>
+            <a:prstGeom prst="rect">
+              <a:avLst/>
+            </a:prstGeom>
+            <a:noFill/>
+          </p:spPr>
+          <p:txBody>
+            <a:bodyPr wrap="square" rtlCol="0">
+              <a:spAutoFit/>
+            </a:bodyPr>
+            <a:lstStyle/>
+            <a:p>
+              <a:r>
+                <a:rPr lang="en-US" sz="1000" dirty="0"/>
+                <a:t>Trending time</a:t>
+              </a:r>
+            </a:p>
+          </p:txBody>
+        </p:sp>
+        <p:cxnSp>
+          <p:nvCxnSpPr>
+            <p:cNvPr id="38" name="Straight Connector 37">
+              <a:extLst>
+                <a:ext uri="{FF2B5EF4-FFF2-40B4-BE49-F238E27FC236}">
+                  <a16:creationId xmlns:a16="http://schemas.microsoft.com/office/drawing/2014/main" id="{9EF32DEC-F5CA-693E-5C5B-BFD99BDA7EAB}"/>
+                </a:ext>
+              </a:extLst>
+            </p:cNvPr>
+            <p:cNvCxnSpPr>
+              <a:cxnSpLocks/>
+            </p:cNvCxnSpPr>
+            <p:nvPr/>
+          </p:nvCxnSpPr>
+          <p:spPr>
+            <a:xfrm flipV="1">
+              <a:off x="4259099" y="2287185"/>
+              <a:ext cx="438751" cy="558678"/>
+            </a:xfrm>
+            <a:prstGeom prst="line">
+              <a:avLst/>
+            </a:prstGeom>
+            <a:ln>
+              <a:solidFill>
+                <a:schemeClr val="tx1">
+                  <a:lumMod val="50000"/>
+                  <a:lumOff val="50000"/>
+                </a:schemeClr>
+              </a:solidFill>
+            </a:ln>
+          </p:spPr>
+          <p:style>
+            <a:lnRef idx="1">
+              <a:schemeClr val="accent6"/>
+            </a:lnRef>
+            <a:fillRef idx="0">
+              <a:schemeClr val="accent6"/>
+            </a:fillRef>
+            <a:effectRef idx="0">
+              <a:schemeClr val="accent6"/>
+            </a:effectRef>
+            <a:fontRef idx="minor">
+              <a:schemeClr val="tx1"/>
+            </a:fontRef>
+          </p:style>
+        </p:cxnSp>
+      </p:grpSp>
+      <p:sp>
+        <p:nvSpPr>
+          <p:cNvPr id="52" name="TextBox 51">
+            <a:extLst>
+              <a:ext uri="{FF2B5EF4-FFF2-40B4-BE49-F238E27FC236}">
+                <a16:creationId xmlns:a16="http://schemas.microsoft.com/office/drawing/2014/main" id="{FA1CC206-9611-9008-1193-EDAD596A0034}"/>
+              </a:ext>
+            </a:extLst>
+          </p:cNvPr>
+          <p:cNvSpPr txBox="1"/>
+          <p:nvPr/>
+        </p:nvSpPr>
         <p:spPr>
           <a:xfrm>
-            <a:off x="1809750" y="0"/>
-            <a:ext cx="8572500" cy="6858000"/>
+            <a:off x="9072107" y="1077783"/>
+            <a:ext cx="2646693" cy="4247317"/>
           </a:xfrm>
           <a:prstGeom prst="rect">
             <a:avLst/>
           </a:prstGeom>
+          <a:noFill/>
+          <a:ln w="25400">
+            <a:solidFill>
+              <a:srgbClr val="7030A0"/>
+            </a:solidFill>
+            <a:prstDash val="dashDot"/>
+          </a:ln>
         </p:spPr>
-      </p:pic>
+        <p:txBody>
+          <a:bodyPr wrap="square" rtlCol="0">
+            <a:spAutoFit/>
+          </a:bodyPr>
+          <a:lstStyle/>
+          <a:p>
+            <a:pPr marL="285750" indent="-285750">
+              <a:buFont typeface="Arial" panose="020B0604020202020204" pitchFamily="34" charset="0"/>
+              <a:buChar char="•"/>
+            </a:pPr>
+            <a:r>
+              <a:rPr lang="en-US" dirty="0"/>
+              <a:t>Video</a:t>
+            </a:r>
+            <a:r>
+              <a:rPr lang="zh-CN" altLang="en-US" dirty="0"/>
+              <a:t> </a:t>
+            </a:r>
+            <a:r>
+              <a:rPr lang="en-US" altLang="zh-CN" dirty="0"/>
+              <a:t>views peak at </a:t>
+            </a:r>
+            <a:r>
+              <a:rPr lang="en-US" altLang="zh-CN" b="1" dirty="0"/>
+              <a:t>Summer/Q2 </a:t>
+            </a:r>
+            <a:r>
+              <a:rPr lang="en-US" altLang="zh-CN" dirty="0"/>
+              <a:t>both for publish time and trending time</a:t>
+            </a:r>
+            <a:br>
+              <a:rPr lang="en-US" altLang="zh-CN" dirty="0"/>
+            </a:br>
+            <a:endParaRPr lang="en-US" altLang="zh-CN" dirty="0"/>
+          </a:p>
+          <a:p>
+            <a:pPr marL="285750" indent="-285750">
+              <a:buFont typeface="Arial" panose="020B0604020202020204" pitchFamily="34" charset="0"/>
+              <a:buChar char="•"/>
+            </a:pPr>
+            <a:r>
+              <a:rPr lang="en-US" dirty="0"/>
+              <a:t>On a daily advertising basis, </a:t>
+            </a:r>
+            <a:r>
+              <a:rPr lang="en-US" b="1" dirty="0"/>
+              <a:t>3 pm – 6 pm </a:t>
+            </a:r>
+            <a:r>
+              <a:rPr lang="en-US" dirty="0"/>
+              <a:t>would be the golden advertising time while during </a:t>
+            </a:r>
+            <a:r>
+              <a:rPr lang="en-US" b="1" dirty="0"/>
+              <a:t>12 pm – 10 pm </a:t>
+            </a:r>
+            <a:r>
+              <a:rPr lang="en-US" dirty="0"/>
+              <a:t>videos still receive considerable attention; the pattern is particularly strong for weekdays</a:t>
+            </a:r>
+          </a:p>
+        </p:txBody>
+      </p:sp>
     </p:spTree>
     <p:extLst>
       <p:ext uri="{BB962C8B-B14F-4D97-AF65-F5344CB8AC3E}">
